--- a/python-data/slides/09_cfchecker.pptx
+++ b/python-data/slides/09_cfchecker.pptx
@@ -261,7 +261,7 @@
               <a:pPr>
                 <a:defRPr/>
               </a:pPr>
-              <a:t>16/10/2018</a:t>
+              <a:t>28/02/2023</a:t>
             </a:fld>
             <a:endParaRPr lang="en-GB" dirty="0"/>
           </a:p>
@@ -297,7 +297,7 @@
           <a:lstStyle/>
           <a:p>
             <a:pPr lvl="0"/>
-            <a:endParaRPr lang="en-GB" noProof="0" smtClean="0"/>
+            <a:endParaRPr lang="en-GB" noProof="0"/>
           </a:p>
         </p:txBody>
       </p:sp>
@@ -326,38 +326,38 @@
           <a:p>
             <a:pPr lvl="0"/>
             <a:r>
-              <a:rPr lang="en-US" noProof="0" smtClean="0"/>
+              <a:rPr lang="en-US" noProof="0"/>
               <a:t>Click to edit Master text styles</a:t>
             </a:r>
           </a:p>
           <a:p>
             <a:pPr lvl="1"/>
             <a:r>
-              <a:rPr lang="en-US" noProof="0" smtClean="0"/>
+              <a:rPr lang="en-US" noProof="0"/>
               <a:t>Second level</a:t>
             </a:r>
           </a:p>
           <a:p>
             <a:pPr lvl="2"/>
             <a:r>
-              <a:rPr lang="en-US" noProof="0" smtClean="0"/>
+              <a:rPr lang="en-US" noProof="0"/>
               <a:t>Third level</a:t>
             </a:r>
           </a:p>
           <a:p>
             <a:pPr lvl="3"/>
             <a:r>
-              <a:rPr lang="en-US" noProof="0" smtClean="0"/>
+              <a:rPr lang="en-US" noProof="0"/>
               <a:t>Fourth level</a:t>
             </a:r>
           </a:p>
           <a:p>
             <a:pPr lvl="4"/>
             <a:r>
-              <a:rPr lang="en-US" noProof="0" smtClean="0"/>
+              <a:rPr lang="en-US" noProof="0"/>
               <a:t>Fifth level</a:t>
             </a:r>
-            <a:endParaRPr lang="en-GB" noProof="0" smtClean="0"/>
+            <a:endParaRPr lang="en-GB" noProof="0"/>
           </a:p>
         </p:txBody>
       </p:sp>
@@ -787,7 +787,7 @@
           </a:lstStyle>
           <a:p>
             <a:r>
-              <a:rPr lang="en-US" smtClean="0"/>
+              <a:rPr lang="en-US"/>
               <a:t>Click to edit Master title style</a:t>
             </a:r>
             <a:endParaRPr lang="en-US" dirty="0"/>
@@ -863,7 +863,7 @@
           </a:lstStyle>
           <a:p>
             <a:r>
-              <a:rPr lang="en-US" smtClean="0"/>
+              <a:rPr lang="en-US"/>
               <a:t>Click to edit Master subtitle style</a:t>
             </a:r>
             <a:endParaRPr lang="en-US" dirty="0"/>
@@ -969,7 +969,7 @@
           </a:lstStyle>
           <a:p>
             <a:r>
-              <a:rPr lang="en-US" smtClean="0"/>
+              <a:rPr lang="en-US"/>
               <a:t>Click to edit Master title style</a:t>
             </a:r>
             <a:endParaRPr lang="en-US" dirty="0"/>
@@ -1016,7 +1016,7 @@
           <a:p>
             <a:pPr lvl="0"/>
             <a:r>
-              <a:rPr lang="en-US" noProof="0" dirty="0" smtClean="0"/>
+              <a:rPr lang="en-US" noProof="0" dirty="0"/>
               <a:t>Click icon to add picture</a:t>
             </a:r>
             <a:endParaRPr lang="en-GB" noProof="0" dirty="0"/>
@@ -1074,28 +1074,28 @@
           <a:p>
             <a:pPr lvl="0"/>
             <a:r>
-              <a:rPr lang="en-US" smtClean="0"/>
+              <a:rPr lang="en-US"/>
               <a:t>Edit Master text styles</a:t>
             </a:r>
           </a:p>
           <a:p>
             <a:pPr lvl="1"/>
             <a:r>
-              <a:rPr lang="en-US" smtClean="0"/>
+              <a:rPr lang="en-US"/>
               <a:t>Second level</a:t>
             </a:r>
           </a:p>
           <a:p>
             <a:pPr lvl="2"/>
             <a:r>
-              <a:rPr lang="en-US" smtClean="0"/>
+              <a:rPr lang="en-US"/>
               <a:t>Third level</a:t>
             </a:r>
           </a:p>
           <a:p>
             <a:pPr lvl="3"/>
             <a:r>
-              <a:rPr lang="en-US" smtClean="0"/>
+              <a:rPr lang="en-US"/>
               <a:t>Fourth level</a:t>
             </a:r>
           </a:p>
@@ -1200,7 +1200,7 @@
           </a:lstStyle>
           <a:p>
             <a:r>
-              <a:rPr lang="en-US" smtClean="0"/>
+              <a:rPr lang="en-US"/>
               <a:t>Click to edit Master title style</a:t>
             </a:r>
             <a:endParaRPr lang="en-US" dirty="0"/>
@@ -1258,28 +1258,28 @@
           <a:p>
             <a:pPr lvl="0"/>
             <a:r>
-              <a:rPr lang="en-US" smtClean="0"/>
+              <a:rPr lang="en-US"/>
               <a:t>Edit Master text styles</a:t>
             </a:r>
           </a:p>
           <a:p>
             <a:pPr lvl="1"/>
             <a:r>
-              <a:rPr lang="en-US" smtClean="0"/>
+              <a:rPr lang="en-US"/>
               <a:t>Second level</a:t>
             </a:r>
           </a:p>
           <a:p>
             <a:pPr lvl="2"/>
             <a:r>
-              <a:rPr lang="en-US" smtClean="0"/>
+              <a:rPr lang="en-US"/>
               <a:t>Third level</a:t>
             </a:r>
           </a:p>
           <a:p>
             <a:pPr lvl="3"/>
             <a:r>
-              <a:rPr lang="en-US" smtClean="0"/>
+              <a:rPr lang="en-US"/>
               <a:t>Fourth level</a:t>
             </a:r>
           </a:p>
@@ -1359,7 +1359,7 @@
           </a:lstStyle>
           <a:p>
             <a:r>
-              <a:rPr lang="en-US" smtClean="0"/>
+              <a:rPr lang="en-US"/>
               <a:t>Click to edit Master title style</a:t>
             </a:r>
             <a:endParaRPr lang="en-US" dirty="0"/>
@@ -1433,7 +1433,7 @@
           </a:lstStyle>
           <a:p>
             <a:r>
-              <a:rPr lang="en-US" smtClean="0"/>
+              <a:rPr lang="en-US"/>
               <a:t>Click to edit Master subtitle style</a:t>
             </a:r>
             <a:endParaRPr lang="en-US" dirty="0"/>
@@ -1505,7 +1505,7 @@
               <a:pPr>
                 <a:defRPr/>
               </a:pPr>
-              <a:t>16/10/2018</a:t>
+              <a:t>28/02/2023</a:t>
             </a:fld>
             <a:endParaRPr lang="en-GB" dirty="0"/>
           </a:p>
@@ -1842,35 +1842,35 @@
           <a:p>
             <a:pPr lvl="0"/>
             <a:r>
-              <a:rPr lang="en-US" altLang="en-US" smtClean="0"/>
+              <a:rPr lang="en-US" altLang="en-US"/>
               <a:t>Edit Master text styles</a:t>
             </a:r>
           </a:p>
           <a:p>
             <a:pPr lvl="1"/>
             <a:r>
-              <a:rPr lang="en-US" altLang="en-US" smtClean="0"/>
+              <a:rPr lang="en-US" altLang="en-US"/>
               <a:t>Second level</a:t>
             </a:r>
           </a:p>
           <a:p>
             <a:pPr lvl="2"/>
             <a:r>
-              <a:rPr lang="en-US" altLang="en-US" smtClean="0"/>
+              <a:rPr lang="en-US" altLang="en-US"/>
               <a:t>Third level</a:t>
             </a:r>
           </a:p>
           <a:p>
             <a:pPr lvl="3"/>
             <a:r>
-              <a:rPr lang="en-US" altLang="en-US" smtClean="0"/>
+              <a:rPr lang="en-US" altLang="en-US"/>
               <a:t>Fourth level</a:t>
             </a:r>
           </a:p>
           <a:p>
             <a:pPr lvl="4"/>
             <a:r>
-              <a:rPr lang="en-US" altLang="en-US" smtClean="0"/>
+              <a:rPr lang="en-US" altLang="en-US"/>
               <a:t>Fifth level</a:t>
             </a:r>
           </a:p>
@@ -2088,10 +2088,10 @@
           <a:p>
             <a:pPr lvl="0"/>
             <a:r>
-              <a:rPr lang="en-US" altLang="en-US" smtClean="0"/>
+              <a:rPr lang="en-US" altLang="en-US"/>
               <a:t>Click to edit Master title style</a:t>
             </a:r>
-            <a:endParaRPr lang="en-GB" altLang="en-US" smtClean="0"/>
+            <a:endParaRPr lang="en-GB" altLang="en-US"/>
           </a:p>
         </p:txBody>
       </p:sp>
@@ -2587,7 +2587,7 @@
           <a:lstStyle/>
           <a:p>
             <a:r>
-              <a:rPr lang="en-GB" altLang="en-US" smtClean="0"/>
+              <a:rPr lang="en-GB" altLang="en-US"/>
               <a:t>Read and Write Data</a:t>
             </a:r>
           </a:p>
@@ -2614,7 +2614,7 @@
           <a:lstStyle/>
           <a:p>
             <a:r>
-              <a:rPr lang="en-GB" altLang="en-US" smtClean="0"/>
+              <a:rPr lang="en-GB" altLang="en-US"/>
               <a:t>Checking CF-compliance: The CF Checker</a:t>
             </a:r>
           </a:p>
@@ -2970,10 +2970,9 @@
           <a:p>
             <a:pPr eaLnBrk="1" hangingPunct="1"/>
             <a:r>
-              <a:rPr lang="en-GB" altLang="en-US" b="1" dirty="0" smtClean="0"/>
+              <a:rPr lang="en-GB" altLang="en-US" b="1" dirty="0"/>
               <a:t>A foreword</a:t>
             </a:r>
-            <a:endParaRPr lang="en-GB" altLang="en-US" b="1" dirty="0" smtClean="0"/>
           </a:p>
         </p:txBody>
       </p:sp>
@@ -3003,21 +3002,21 @@
               <a:defRPr/>
             </a:pPr>
             <a:r>
-              <a:rPr lang="en-GB" sz="2800" spc="-5" dirty="0" smtClean="0">
+              <a:rPr lang="en-GB" sz="2800" spc="-5" dirty="0">
                 <a:latin typeface="Calibri" panose="020F0502020204030204" pitchFamily="34" charset="0"/>
                 <a:cs typeface="Calibri" panose="020F0502020204030204" pitchFamily="34" charset="0"/>
               </a:rPr>
               <a:t>At the moment </a:t>
             </a:r>
             <a:r>
-              <a:rPr lang="en-GB" sz="2800" spc="-5" dirty="0" err="1" smtClean="0">
+              <a:rPr lang="en-GB" sz="2800" spc="-5" dirty="0" err="1">
                 <a:latin typeface="Calibri" panose="020F0502020204030204" pitchFamily="34" charset="0"/>
                 <a:cs typeface="Calibri" panose="020F0502020204030204" pitchFamily="34" charset="0"/>
               </a:rPr>
               <a:t>cf</a:t>
             </a:r>
             <a:r>
-              <a:rPr lang="en-GB" sz="2800" spc="-5" dirty="0" smtClean="0">
+              <a:rPr lang="en-GB" sz="2800" spc="-5" dirty="0">
                 <a:latin typeface="Calibri" panose="020F0502020204030204" pitchFamily="34" charset="0"/>
                 <a:cs typeface="Calibri" panose="020F0502020204030204" pitchFamily="34" charset="0"/>
               </a:rPr>
@@ -3041,48 +3040,36 @@
                 <a:cs typeface="Calibri" panose="020F0502020204030204" pitchFamily="34" charset="0"/>
                 <a:hlinkClick r:id="rId2"/>
               </a:rPr>
-              <a:t>https://</a:t>
-            </a:r>
-            <a:r>
-              <a:rPr lang="en-GB" sz="2800" spc="-5" dirty="0" smtClean="0">
-                <a:latin typeface="Calibri" panose="020F0502020204030204" pitchFamily="34" charset="0"/>
-                <a:cs typeface="Calibri" panose="020F0502020204030204" pitchFamily="34" charset="0"/>
-                <a:hlinkClick r:id="rId2"/>
-              </a:rPr>
-              <a:t>github.com/cedadev/cf-checker/issues/48</a:t>
-            </a:r>
-            <a:endParaRPr lang="en-GB" sz="2800" spc="-5" dirty="0" smtClean="0">
-              <a:latin typeface="Calibri" panose="020F0502020204030204" pitchFamily="34" charset="0"/>
-              <a:cs typeface="Calibri" panose="020F0502020204030204" pitchFamily="34" charset="0"/>
-            </a:endParaRPr>
-          </a:p>
-          <a:p>
-            <a:pPr eaLnBrk="1" hangingPunct="1">
-              <a:defRPr/>
-            </a:pPr>
-            <a:r>
-              <a:rPr lang="en-GB" sz="2800" spc="-5" dirty="0" smtClean="0">
-                <a:latin typeface="Calibri" panose="020F0502020204030204" pitchFamily="34" charset="0"/>
-                <a:cs typeface="Calibri" panose="020F0502020204030204" pitchFamily="34" charset="0"/>
-              </a:rPr>
-              <a:t>For the sake of completeness we will show you how to use it regardless.</a:t>
-            </a:r>
-          </a:p>
-          <a:p>
-            <a:pPr eaLnBrk="1" hangingPunct="1">
-              <a:defRPr/>
-            </a:pPr>
-            <a:r>
-              <a:rPr lang="en-GB" sz="2800" spc="-5" dirty="0" smtClean="0">
-                <a:latin typeface="Calibri" panose="020F0502020204030204" pitchFamily="34" charset="0"/>
-                <a:cs typeface="Calibri" panose="020F0502020204030204" pitchFamily="34" charset="0"/>
-              </a:rPr>
-              <a:t>If you want to use it yourself you can do so if you install Python 2 or just wait until it is updated with Python 3 compatibility.</a:t>
+              <a:t>https://github.com/cedadev/cf-checker/issues/48</a:t>
             </a:r>
             <a:endParaRPr lang="en-GB" sz="2800" spc="-5" dirty="0">
               <a:latin typeface="Calibri" panose="020F0502020204030204" pitchFamily="34" charset="0"/>
               <a:cs typeface="Calibri" panose="020F0502020204030204" pitchFamily="34" charset="0"/>
             </a:endParaRPr>
+          </a:p>
+          <a:p>
+            <a:pPr eaLnBrk="1" hangingPunct="1">
+              <a:defRPr/>
+            </a:pPr>
+            <a:r>
+              <a:rPr lang="en-GB" sz="2800" spc="-5" dirty="0">
+                <a:latin typeface="Calibri" panose="020F0502020204030204" pitchFamily="34" charset="0"/>
+                <a:cs typeface="Calibri" panose="020F0502020204030204" pitchFamily="34" charset="0"/>
+              </a:rPr>
+              <a:t>For the sake of completeness we will show you how to use it regardless.</a:t>
+            </a:r>
+          </a:p>
+          <a:p>
+            <a:pPr eaLnBrk="1" hangingPunct="1">
+              <a:defRPr/>
+            </a:pPr>
+            <a:r>
+              <a:rPr lang="en-GB" sz="2800" spc="-5" dirty="0">
+                <a:latin typeface="Calibri" panose="020F0502020204030204" pitchFamily="34" charset="0"/>
+                <a:cs typeface="Calibri" panose="020F0502020204030204" pitchFamily="34" charset="0"/>
+              </a:rPr>
+              <a:t>If you want to use it yourself you can do so if you install Python 2 or just wait until it is updated with Python 3 compatibility.</a:t>
+            </a:r>
           </a:p>
         </p:txBody>
       </p:sp>
@@ -3137,7 +3124,7 @@
           <a:lstStyle/>
           <a:p>
             <a:r>
-              <a:rPr lang="en-GB" altLang="en-US" b="1" smtClean="0"/>
+              <a:rPr lang="en-GB" altLang="en-US" b="1"/>
               <a:t>What is the CF-Checker?</a:t>
             </a:r>
           </a:p>
@@ -3519,13 +3506,6 @@
   <p:clrMapOvr>
     <a:masterClrMapping/>
   </p:clrMapOvr>
-  <p:timing>
-    <p:tnLst>
-      <p:par>
-        <p:cTn id="1" dur="indefinite" restart="never" nodeType="tmRoot"/>
-      </p:par>
-    </p:tnLst>
-  </p:timing>
 </p:sld>
 </file>
 
@@ -3567,7 +3547,7 @@
           <a:lstStyle/>
           <a:p>
             <a:r>
-              <a:rPr lang="en-GB" altLang="en-US" b="1" smtClean="0"/>
+              <a:rPr lang="en-GB" altLang="en-US" b="1"/>
               <a:t>Running the CF-checker</a:t>
             </a:r>
           </a:p>
@@ -4182,13 +4162,6 @@
   <p:clrMapOvr>
     <a:masterClrMapping/>
   </p:clrMapOvr>
-  <p:timing>
-    <p:tnLst>
-      <p:par>
-        <p:cTn id="1" dur="indefinite" restart="never" nodeType="tmRoot"/>
-      </p:par>
-    </p:tnLst>
-  </p:timing>
 </p:sld>
 </file>
 
@@ -4840,13 +4813,6 @@
   <p:clrMapOvr>
     <a:masterClrMapping/>
   </p:clrMapOvr>
-  <p:timing>
-    <p:tnLst>
-      <p:par>
-        <p:cTn id="1" dur="indefinite" restart="never" nodeType="tmRoot"/>
-      </p:par>
-    </p:tnLst>
-  </p:timing>
 </p:sld>
 </file>
 
@@ -4888,7 +4854,7 @@
           <a:lstStyle/>
           <a:p>
             <a:r>
-              <a:rPr lang="en-GB" altLang="en-US" b="1" smtClean="0"/>
+              <a:rPr lang="en-GB" altLang="en-US" b="1"/>
               <a:t>Further reading</a:t>
             </a:r>
           </a:p>
@@ -4903,7 +4869,7 @@
         <p:spPr>
           <a:xfrm>
             <a:off x="468313" y="1609725"/>
-            <a:ext cx="8280400" cy="3416300"/>
+            <a:ext cx="8280400" cy="4278094"/>
           </a:xfrm>
           <a:prstGeom prst="rect">
             <a:avLst/>
@@ -4924,38 +4890,34 @@
                 <a:latin typeface="Calibri" panose="020F0502020204030204" pitchFamily="34" charset="0"/>
                 <a:cs typeface="Calibri" panose="020F0502020204030204" pitchFamily="34" charset="0"/>
               </a:rPr>
-              <a:t>You can </a:t>
-            </a:r>
-            <a:r>
-              <a:rPr lang="en-GB" sz="2800" spc="-5">
-                <a:latin typeface="Calibri" panose="020F0502020204030204" pitchFamily="34" charset="0"/>
-                <a:cs typeface="Calibri" panose="020F0502020204030204" pitchFamily="34" charset="0"/>
-              </a:rPr>
-              <a:t>use the online CF-checker here:</a:t>
-            </a:r>
-            <a:endParaRPr lang="en-GB" sz="2800" spc="-5" dirty="0">
-              <a:latin typeface="Calibri" panose="020F0502020204030204" pitchFamily="34" charset="0"/>
-              <a:cs typeface="Calibri" panose="020F0502020204030204" pitchFamily="34" charset="0"/>
-            </a:endParaRPr>
+              <a:t>You can use the online CF-checker here:</a:t>
+            </a:r>
           </a:p>
           <a:p>
             <a:pPr eaLnBrk="1" hangingPunct="1">
               <a:defRPr/>
             </a:pPr>
             <a:r>
-              <a:rPr lang="en-GB" sz="2800" spc="-5" dirty="0">
+              <a:rPr lang="en-GB" sz="2800" spc="-5">
                 <a:latin typeface="Calibri" panose="020F0502020204030204" pitchFamily="34" charset="0"/>
                 <a:cs typeface="Calibri" panose="020F0502020204030204" pitchFamily="34" charset="0"/>
               </a:rPr>
               <a:t>  </a:t>
             </a:r>
             <a:r>
-              <a:rPr lang="en-GB" sz="2800" spc="-5" dirty="0">
+              <a:rPr lang="en-GB" sz="2800" spc="-5">
                 <a:latin typeface="Calibri" panose="020F0502020204030204" pitchFamily="34" charset="0"/>
                 <a:cs typeface="Calibri" panose="020F0502020204030204" pitchFamily="34" charset="0"/>
                 <a:hlinkClick r:id="rId2"/>
               </a:rPr>
-              <a:t>http://puma.nerc.ac.uk/cgi-bin/cf-checker.pl</a:t>
+              <a:t>https://ceda-wps-ui.ceda.ac.uk/processes/execute?wps=compliance_checker&amp;process=CFCheck</a:t>
+            </a:r>
+            <a:r>
+              <a:rPr lang="en-GB" sz="2800" spc="-5">
+                <a:latin typeface="Calibri" panose="020F0502020204030204" pitchFamily="34" charset="0"/>
+                <a:cs typeface="Calibri" panose="020F0502020204030204" pitchFamily="34" charset="0"/>
+              </a:rPr>
+              <a:t> </a:t>
             </a:r>
             <a:endParaRPr lang="en-GB" sz="2800" spc="-5" dirty="0">
               <a:latin typeface="Calibri" panose="020F0502020204030204" pitchFamily="34" charset="0"/>
@@ -5041,13 +5003,6 @@
   <p:clrMapOvr>
     <a:masterClrMapping/>
   </p:clrMapOvr>
-  <p:timing>
-    <p:tnLst>
-      <p:par>
-        <p:cTn id="1" dur="indefinite" restart="never" nodeType="tmRoot"/>
-      </p:par>
-    </p:tnLst>
-  </p:timing>
 </p:sld>
 </file>
 
